--- a/Markdown-based documentation systems.pptx
+++ b/Markdown-based documentation systems.pptx
@@ -5,10 +5,10 @@
     <p:sldMasterId id="2147483648" r:id="rId1"/>
   </p:sldMasterIdLst>
   <p:notesMasterIdLst>
-    <p:notesMasterId r:id="rId46"/>
+    <p:notesMasterId r:id="rId47"/>
   </p:notesMasterIdLst>
   <p:handoutMasterIdLst>
-    <p:handoutMasterId r:id="rId47"/>
+    <p:handoutMasterId r:id="rId48"/>
   </p:handoutMasterIdLst>
   <p:sldIdLst>
     <p:sldId id="285" r:id="rId2"/>
@@ -55,6 +55,7 @@
     <p:sldId id="311" r:id="rId43"/>
     <p:sldId id="312" r:id="rId44"/>
     <p:sldId id="314" r:id="rId45"/>
+    <p:sldId id="345" r:id="rId46"/>
   </p:sldIdLst>
   <p:sldSz cx="12192000" cy="6858000"/>
   <p:notesSz cx="6858000" cy="9144000"/>
@@ -8824,14 +8825,29 @@
           <a:p>
             <a:pPr algn="ctr"/>
             <a:r>
-              <a:rPr lang="ru-RU" sz="4400" dirty="0">
+              <a:rPr lang="en-US" sz="4400" dirty="0" smtClean="0">
                 <a:solidFill>
                   <a:schemeClr val="accent1"/>
                 </a:solidFill>
                 <a:latin typeface="+mj-lt"/>
               </a:rPr>
-              <a:t>Вопросы?</a:t>
-            </a:r>
+              <a:t>Your questions</a:t>
+            </a:r>
+            <a:r>
+              <a:rPr lang="ru-RU" sz="4400" dirty="0" smtClean="0">
+                <a:solidFill>
+                  <a:schemeClr val="accent1"/>
+                </a:solidFill>
+                <a:latin typeface="+mj-lt"/>
+              </a:rPr>
+              <a:t>?</a:t>
+            </a:r>
+            <a:endParaRPr lang="ru-RU" sz="4400" dirty="0">
+              <a:solidFill>
+                <a:schemeClr val="accent1"/>
+              </a:solidFill>
+              <a:latin typeface="+mj-lt"/>
+            </a:endParaRPr>
           </a:p>
         </p:txBody>
       </p:sp>
@@ -9230,6 +9246,13 @@
   <p:clrMapOvr>
     <a:masterClrMapping/>
   </p:clrMapOvr>
+  <p:timing>
+    <p:tnLst>
+      <p:par>
+        <p:cTn id="1" dur="indefinite" restart="never" nodeType="tmRoot"/>
+      </p:par>
+    </p:tnLst>
+  </p:timing>
 </p:sldLayout>
 </file>
 
@@ -32737,6 +32760,172 @@
     <p:extLst>
       <p:ext uri="{BB962C8B-B14F-4D97-AF65-F5344CB8AC3E}">
         <p14:creationId xmlns:p14="http://schemas.microsoft.com/office/powerpoint/2010/main" val="3900349196"/>
+      </p:ext>
+    </p:extLst>
+  </p:cSld>
+  <p:clrMapOvr>
+    <a:masterClrMapping/>
+  </p:clrMapOvr>
+  <p:timing>
+    <p:tnLst>
+      <p:par>
+        <p:cTn id="1" dur="indefinite" restart="never" nodeType="tmRoot"/>
+      </p:par>
+    </p:tnLst>
+  </p:timing>
+</p:sld>
+</file>
+
+<file path=ppt/slides/slide45.xml><?xml version="1.0" encoding="utf-8"?>
+<p:sld xmlns:a="http://schemas.openxmlformats.org/drawingml/2006/main" xmlns:r="http://schemas.openxmlformats.org/officeDocument/2006/relationships" xmlns:p="http://schemas.openxmlformats.org/presentationml/2006/main">
+  <p:cSld>
+    <p:spTree>
+      <p:nvGrpSpPr>
+        <p:cNvPr id="1" name=""/>
+        <p:cNvGrpSpPr/>
+        <p:nvPr/>
+      </p:nvGrpSpPr>
+      <p:grpSpPr>
+        <a:xfrm>
+          <a:off x="0" y="0"/>
+          <a:ext cx="0" cy="0"/>
+          <a:chOff x="0" y="0"/>
+          <a:chExt cx="0" cy="0"/>
+        </a:xfrm>
+      </p:grpSpPr>
+      <p:sp>
+        <p:nvSpPr>
+          <p:cNvPr id="3" name="Текст 2"/>
+          <p:cNvSpPr>
+            <a:spLocks noGrp="1"/>
+          </p:cNvSpPr>
+          <p:nvPr>
+            <p:ph type="body" sz="quarter" idx="15"/>
+          </p:nvPr>
+        </p:nvSpPr>
+        <p:spPr>
+          <a:xfrm>
+            <a:off x="6132128" y="4077076"/>
+            <a:ext cx="4824412" cy="369332"/>
+          </a:xfrm>
+        </p:spPr>
+        <p:txBody>
+          <a:bodyPr/>
+          <a:lstStyle/>
+          <a:p>
+            <a:r>
+              <a:rPr lang="en-US" dirty="0" err="1"/>
+              <a:t>Mihail</a:t>
+            </a:r>
+            <a:r>
+              <a:rPr lang="en-US" dirty="0"/>
+              <a:t> Romanov</a:t>
+            </a:r>
+            <a:endParaRPr lang="ru-RU" dirty="0"/>
+          </a:p>
+        </p:txBody>
+      </p:sp>
+      <p:sp>
+        <p:nvSpPr>
+          <p:cNvPr id="5" name="Текст 4"/>
+          <p:cNvSpPr>
+            <a:spLocks noGrp="1"/>
+          </p:cNvSpPr>
+          <p:nvPr>
+            <p:ph type="body" sz="quarter" idx="18"/>
+          </p:nvPr>
+        </p:nvSpPr>
+        <p:spPr>
+          <a:xfrm>
+            <a:off x="6132128" y="5042963"/>
+            <a:ext cx="4824413" cy="276999"/>
+          </a:xfrm>
+        </p:spPr>
+        <p:txBody>
+          <a:bodyPr/>
+          <a:lstStyle/>
+          <a:p>
+            <a:r>
+              <a:rPr lang="en-US" dirty="0" smtClean="0"/>
+              <a:t>Romanov.m@skbkontur.ru</a:t>
+            </a:r>
+            <a:endParaRPr lang="ru-RU" dirty="0"/>
+          </a:p>
+        </p:txBody>
+      </p:sp>
+      <p:sp>
+        <p:nvSpPr>
+          <p:cNvPr id="6" name="Текст 5"/>
+          <p:cNvSpPr>
+            <a:spLocks noGrp="1"/>
+          </p:cNvSpPr>
+          <p:nvPr>
+            <p:ph type="body" sz="quarter" idx="19"/>
+          </p:nvPr>
+        </p:nvSpPr>
+        <p:spPr>
+          <a:xfrm>
+            <a:off x="6111989" y="4606186"/>
+            <a:ext cx="4824413" cy="276999"/>
+          </a:xfrm>
+        </p:spPr>
+        <p:txBody>
+          <a:bodyPr/>
+          <a:lstStyle/>
+          <a:p>
+            <a:r>
+              <a:rPr lang="en-US" dirty="0"/>
+              <a:t>Senior </a:t>
+            </a:r>
+            <a:r>
+              <a:rPr lang="en-US" dirty="0" smtClean="0"/>
+              <a:t>programmer</a:t>
+            </a:r>
+            <a:endParaRPr lang="en-US" dirty="0"/>
+          </a:p>
+        </p:txBody>
+      </p:sp>
+      <p:sp>
+        <p:nvSpPr>
+          <p:cNvPr id="7" name="Прямоугольник 6"/>
+          <p:cNvSpPr/>
+          <p:nvPr/>
+        </p:nvSpPr>
+        <p:spPr>
+          <a:xfrm>
+            <a:off x="6157098" y="980728"/>
+            <a:ext cx="5567165" cy="369332"/>
+          </a:xfrm>
+          <a:prstGeom prst="rect">
+            <a:avLst/>
+          </a:prstGeom>
+        </p:spPr>
+        <p:txBody>
+          <a:bodyPr wrap="none">
+            <a:spAutoFit/>
+          </a:bodyPr>
+          <a:lstStyle/>
+          <a:p>
+            <a:r>
+              <a:rPr lang="en-US" dirty="0">
+                <a:hlinkClick r:id="rId2"/>
+              </a:rPr>
+              <a:t>https://</a:t>
+            </a:r>
+            <a:r>
+              <a:rPr lang="en-US" dirty="0" smtClean="0">
+                <a:hlinkClick r:id="rId2"/>
+              </a:rPr>
+              <a:t>github.com/MihailRomanov/TechTalks_DocFx</a:t>
+            </a:r>
+            <a:endParaRPr lang="ru-RU" dirty="0"/>
+          </a:p>
+        </p:txBody>
+      </p:sp>
+    </p:spTree>
+    <p:extLst>
+      <p:ext uri="{BB962C8B-B14F-4D97-AF65-F5344CB8AC3E}">
+        <p14:creationId xmlns:p14="http://schemas.microsoft.com/office/powerpoint/2010/main" val="730377430"/>
       </p:ext>
     </p:extLst>
   </p:cSld>
